--- a/PPT/개인 연구 Parametric.pptx
+++ b/PPT/개인 연구 Parametric.pptx
@@ -5,10 +5,10 @@
     <p:sldMasterId id="2147483648" r:id="rId1"/>
   </p:sldMasterIdLst>
   <p:notesMasterIdLst>
-    <p:notesMasterId r:id="rId13"/>
+    <p:notesMasterId r:id="rId17"/>
   </p:notesMasterIdLst>
   <p:handoutMasterIdLst>
-    <p:handoutMasterId r:id="rId14"/>
+    <p:handoutMasterId r:id="rId18"/>
   </p:handoutMasterIdLst>
   <p:sldIdLst>
     <p:sldId id="256" r:id="rId2"/>
@@ -18,10 +18,14 @@
     <p:sldId id="277" r:id="rId6"/>
     <p:sldId id="280" r:id="rId7"/>
     <p:sldId id="281" r:id="rId8"/>
-    <p:sldId id="282" r:id="rId9"/>
-    <p:sldId id="278" r:id="rId10"/>
-    <p:sldId id="275" r:id="rId11"/>
-    <p:sldId id="259" r:id="rId12"/>
+    <p:sldId id="284" r:id="rId9"/>
+    <p:sldId id="285" r:id="rId10"/>
+    <p:sldId id="286" r:id="rId11"/>
+    <p:sldId id="287" r:id="rId12"/>
+    <p:sldId id="288" r:id="rId13"/>
+    <p:sldId id="289" r:id="rId14"/>
+    <p:sldId id="275" r:id="rId15"/>
+    <p:sldId id="259" r:id="rId16"/>
   </p:sldIdLst>
   <p:sldSz cx="12192000" cy="6858000"/>
   <p:notesSz cx="9144000" cy="6858000"/>
@@ -236,7 +240,7 @@
           <a:p>
             <a:fld id="{D1DA2BEC-7E6F-47A9-9115-3EED439C6DA5}" type="datetimeFigureOut">
               <a:rPr lang="ko-KR" altLang="en-US" smtClean="0"/>
-              <a:t>2023-12-28</a:t>
+              <a:t>2024-01-03</a:t>
             </a:fld>
             <a:endParaRPr lang="ko-KR" altLang="en-US"/>
           </a:p>
@@ -414,7 +418,7 @@
           <a:p>
             <a:fld id="{BF98C93F-AAD7-4410-AA25-972027873478}" type="datetimeFigureOut">
               <a:rPr lang="ko-KR" altLang="en-US" smtClean="0"/>
-              <a:t>2023-12-28</a:t>
+              <a:t>2024-01-03</a:t>
             </a:fld>
             <a:endParaRPr lang="ko-KR" altLang="en-US"/>
           </a:p>
@@ -835,7 +839,7 @@
           <a:p>
             <a:fld id="{C9D3DC29-C20B-4A99-A3AC-B5CC8D20ABB4}" type="slidenum">
               <a:rPr lang="ko-KR" altLang="en-US" smtClean="0"/>
-              <a:t>11</a:t>
+              <a:t>15</a:t>
             </a:fld>
             <a:endParaRPr lang="ko-KR" altLang="en-US"/>
           </a:p>
@@ -2960,6 +2964,683 @@
           <p:cNvPr id="2" name="제목 1">
             <a:extLst>
               <a:ext uri="{FF2B5EF4-FFF2-40B4-BE49-F238E27FC236}">
+                <a16:creationId xmlns:a16="http://schemas.microsoft.com/office/drawing/2014/main" id="{6A9C66CF-C8BE-F432-F542-A56D5B6346C4}"/>
+              </a:ext>
+            </a:extLst>
+          </p:cNvPr>
+          <p:cNvSpPr>
+            <a:spLocks noGrp="1"/>
+          </p:cNvSpPr>
+          <p:nvPr>
+            <p:ph type="title"/>
+          </p:nvPr>
+        </p:nvSpPr>
+        <p:spPr/>
+        <p:txBody>
+          <a:bodyPr/>
+          <a:lstStyle/>
+          <a:p>
+            <a:r>
+              <a:rPr lang="en-US" altLang="ko-KR" dirty="0"/>
+              <a:t>Boruta </a:t>
+            </a:r>
+            <a:endParaRPr lang="ko-KR" altLang="en-US" dirty="0"/>
+          </a:p>
+        </p:txBody>
+      </p:sp>
+      <p:sp>
+        <p:nvSpPr>
+          <p:cNvPr id="3" name="내용 개체 틀 2">
+            <a:extLst>
+              <a:ext uri="{FF2B5EF4-FFF2-40B4-BE49-F238E27FC236}">
+                <a16:creationId xmlns:a16="http://schemas.microsoft.com/office/drawing/2014/main" id="{10ABD30E-C65D-DFC8-FC71-5DA235357527}"/>
+              </a:ext>
+            </a:extLst>
+          </p:cNvPr>
+          <p:cNvSpPr>
+            <a:spLocks noGrp="1"/>
+          </p:cNvSpPr>
+          <p:nvPr>
+            <p:ph idx="1"/>
+          </p:nvPr>
+        </p:nvSpPr>
+        <p:spPr/>
+        <p:txBody>
+          <a:bodyPr/>
+          <a:lstStyle/>
+          <a:p>
+            <a:r>
+              <a:rPr lang="en-US" altLang="ko-KR" dirty="0"/>
+              <a:t>Random Forest</a:t>
+            </a:r>
+          </a:p>
+          <a:p>
+            <a:pPr lvl="1"/>
+            <a:r>
+              <a:rPr lang="en-US" altLang="ko-KR" dirty="0"/>
+              <a:t>Derived from Decision Tree</a:t>
+            </a:r>
+          </a:p>
+          <a:p>
+            <a:pPr lvl="1"/>
+            <a:r>
+              <a:rPr lang="en-US" altLang="ko-KR" dirty="0"/>
+              <a:t>Added Ensemble</a:t>
+            </a:r>
+          </a:p>
+          <a:p>
+            <a:pPr lvl="1"/>
+            <a:endParaRPr lang="en-US" altLang="ko-KR" dirty="0"/>
+          </a:p>
+          <a:p>
+            <a:endParaRPr lang="en-US" altLang="ko-KR" dirty="0"/>
+          </a:p>
+          <a:p>
+            <a:endParaRPr lang="en-US" altLang="ko-KR" dirty="0"/>
+          </a:p>
+        </p:txBody>
+      </p:sp>
+      <p:sp>
+        <p:nvSpPr>
+          <p:cNvPr id="4" name="슬라이드 번호 개체 틀 3">
+            <a:extLst>
+              <a:ext uri="{FF2B5EF4-FFF2-40B4-BE49-F238E27FC236}">
+                <a16:creationId xmlns:a16="http://schemas.microsoft.com/office/drawing/2014/main" id="{6D9DDC3D-3A75-A85D-D0FA-084FC3734EA3}"/>
+              </a:ext>
+            </a:extLst>
+          </p:cNvPr>
+          <p:cNvSpPr>
+            <a:spLocks noGrp="1"/>
+          </p:cNvSpPr>
+          <p:nvPr>
+            <p:ph type="sldNum" sz="quarter" idx="12"/>
+          </p:nvPr>
+        </p:nvSpPr>
+        <p:spPr/>
+        <p:txBody>
+          <a:bodyPr/>
+          <a:lstStyle/>
+          <a:p>
+            <a:fld id="{DCF30976-4E8F-417C-866E-A81683010615}" type="slidenum">
+              <a:rPr lang="ko-KR" altLang="en-US" smtClean="0"/>
+              <a:pPr/>
+              <a:t>10</a:t>
+            </a:fld>
+            <a:endParaRPr lang="ko-KR" altLang="en-US"/>
+          </a:p>
+        </p:txBody>
+      </p:sp>
+      <p:pic>
+        <p:nvPicPr>
+          <p:cNvPr id="1026" name="Picture 2" descr="Anas Brital | Random Forest Algorithm Explained .">
+            <a:extLst>
+              <a:ext uri="{FF2B5EF4-FFF2-40B4-BE49-F238E27FC236}">
+                <a16:creationId xmlns:a16="http://schemas.microsoft.com/office/drawing/2014/main" id="{5CA359DF-31F3-F0F1-FDDD-739B01DED407}"/>
+              </a:ext>
+            </a:extLst>
+          </p:cNvPr>
+          <p:cNvPicPr>
+            <a:picLocks noChangeAspect="1" noChangeArrowheads="1"/>
+          </p:cNvPicPr>
+          <p:nvPr/>
+        </p:nvPicPr>
+        <p:blipFill>
+          <a:blip r:embed="rId2" cstate="print">
+            <a:extLst>
+              <a:ext uri="{28A0092B-C50C-407E-A947-70E740481C1C}">
+                <a14:useLocalDpi xmlns:a14="http://schemas.microsoft.com/office/drawing/2010/main" val="0"/>
+              </a:ext>
+            </a:extLst>
+          </a:blip>
+          <a:srcRect/>
+          <a:stretch>
+            <a:fillRect/>
+          </a:stretch>
+        </p:blipFill>
+        <p:spPr bwMode="auto">
+          <a:xfrm>
+            <a:off x="6194323" y="1472453"/>
+            <a:ext cx="5478332" cy="3913094"/>
+          </a:xfrm>
+          <a:prstGeom prst="rect">
+            <a:avLst/>
+          </a:prstGeom>
+          <a:noFill/>
+          <a:extLst>
+            <a:ext uri="{909E8E84-426E-40DD-AFC4-6F175D3DCCD1}">
+              <a14:hiddenFill xmlns:a14="http://schemas.microsoft.com/office/drawing/2010/main">
+                <a:solidFill>
+                  <a:srgbClr val="FFFFFF"/>
+                </a:solidFill>
+              </a14:hiddenFill>
+            </a:ext>
+          </a:extLst>
+        </p:spPr>
+      </p:pic>
+    </p:spTree>
+    <p:extLst>
+      <p:ext uri="{BB962C8B-B14F-4D97-AF65-F5344CB8AC3E}">
+        <p14:creationId xmlns:p14="http://schemas.microsoft.com/office/powerpoint/2010/main" val="2442541535"/>
+      </p:ext>
+    </p:extLst>
+  </p:cSld>
+  <p:clrMapOvr>
+    <a:masterClrMapping/>
+  </p:clrMapOvr>
+</p:sld>
+</file>
+
+<file path=ppt/slides/slide11.xml><?xml version="1.0" encoding="utf-8"?>
+<p:sld xmlns:a="http://schemas.openxmlformats.org/drawingml/2006/main" xmlns:r="http://schemas.openxmlformats.org/officeDocument/2006/relationships" xmlns:p="http://schemas.openxmlformats.org/presentationml/2006/main">
+  <p:cSld>
+    <p:spTree>
+      <p:nvGrpSpPr>
+        <p:cNvPr id="1" name=""/>
+        <p:cNvGrpSpPr/>
+        <p:nvPr/>
+      </p:nvGrpSpPr>
+      <p:grpSpPr>
+        <a:xfrm>
+          <a:off x="0" y="0"/>
+          <a:ext cx="0" cy="0"/>
+          <a:chOff x="0" y="0"/>
+          <a:chExt cx="0" cy="0"/>
+        </a:xfrm>
+      </p:grpSpPr>
+      <p:sp>
+        <p:nvSpPr>
+          <p:cNvPr id="2" name="제목 1">
+            <a:extLst>
+              <a:ext uri="{FF2B5EF4-FFF2-40B4-BE49-F238E27FC236}">
+                <a16:creationId xmlns:a16="http://schemas.microsoft.com/office/drawing/2014/main" id="{6A9C66CF-C8BE-F432-F542-A56D5B6346C4}"/>
+              </a:ext>
+            </a:extLst>
+          </p:cNvPr>
+          <p:cNvSpPr>
+            <a:spLocks noGrp="1"/>
+          </p:cNvSpPr>
+          <p:nvPr>
+            <p:ph type="title"/>
+          </p:nvPr>
+        </p:nvSpPr>
+        <p:spPr/>
+        <p:txBody>
+          <a:bodyPr/>
+          <a:lstStyle/>
+          <a:p>
+            <a:r>
+              <a:rPr lang="en-US" altLang="ko-KR" dirty="0"/>
+              <a:t>Boruta </a:t>
+            </a:r>
+            <a:endParaRPr lang="ko-KR" altLang="en-US" dirty="0"/>
+          </a:p>
+        </p:txBody>
+      </p:sp>
+      <p:sp>
+        <p:nvSpPr>
+          <p:cNvPr id="3" name="내용 개체 틀 2">
+            <a:extLst>
+              <a:ext uri="{FF2B5EF4-FFF2-40B4-BE49-F238E27FC236}">
+                <a16:creationId xmlns:a16="http://schemas.microsoft.com/office/drawing/2014/main" id="{10ABD30E-C65D-DFC8-FC71-5DA235357527}"/>
+              </a:ext>
+            </a:extLst>
+          </p:cNvPr>
+          <p:cNvSpPr>
+            <a:spLocks noGrp="1"/>
+          </p:cNvSpPr>
+          <p:nvPr>
+            <p:ph idx="1"/>
+          </p:nvPr>
+        </p:nvSpPr>
+        <p:spPr/>
+        <p:txBody>
+          <a:bodyPr/>
+          <a:lstStyle/>
+          <a:p>
+            <a:r>
+              <a:rPr lang="en-US" altLang="ko-KR" dirty="0"/>
+              <a:t>Boruta </a:t>
+            </a:r>
+          </a:p>
+          <a:p>
+            <a:pPr lvl="1"/>
+            <a:r>
+              <a:rPr lang="en-US" altLang="ko-KR" dirty="0"/>
+              <a:t>Added Shadow variables.</a:t>
+            </a:r>
+          </a:p>
+          <a:p>
+            <a:pPr lvl="1"/>
+            <a:r>
+              <a:rPr lang="en-US" altLang="ko-KR" dirty="0"/>
+              <a:t>Train Random </a:t>
+            </a:r>
+            <a:r>
+              <a:rPr lang="en-US" altLang="ko-KR" dirty="0" err="1"/>
+              <a:t>Foreset</a:t>
+            </a:r>
+            <a:endParaRPr lang="en-US" altLang="ko-KR" dirty="0"/>
+          </a:p>
+          <a:p>
+            <a:pPr lvl="1"/>
+            <a:r>
+              <a:rPr lang="en-US" altLang="ko-KR" dirty="0"/>
+              <a:t>Extract </a:t>
+            </a:r>
+            <a:r>
+              <a:rPr lang="en-US" altLang="ko-KR" dirty="0" err="1"/>
+              <a:t>importances</a:t>
+            </a:r>
+            <a:endParaRPr lang="en-US" altLang="ko-KR" dirty="0"/>
+          </a:p>
+          <a:p>
+            <a:pPr lvl="1"/>
+            <a:r>
+              <a:rPr lang="en-US" altLang="ko-KR" dirty="0"/>
+              <a:t>Determine the values that have lower importance than shadow variables</a:t>
+            </a:r>
+          </a:p>
+          <a:p>
+            <a:endParaRPr lang="en-US" altLang="ko-KR" dirty="0"/>
+          </a:p>
+          <a:p>
+            <a:endParaRPr lang="en-US" altLang="ko-KR" dirty="0"/>
+          </a:p>
+        </p:txBody>
+      </p:sp>
+      <p:sp>
+        <p:nvSpPr>
+          <p:cNvPr id="4" name="슬라이드 번호 개체 틀 3">
+            <a:extLst>
+              <a:ext uri="{FF2B5EF4-FFF2-40B4-BE49-F238E27FC236}">
+                <a16:creationId xmlns:a16="http://schemas.microsoft.com/office/drawing/2014/main" id="{6D9DDC3D-3A75-A85D-D0FA-084FC3734EA3}"/>
+              </a:ext>
+            </a:extLst>
+          </p:cNvPr>
+          <p:cNvSpPr>
+            <a:spLocks noGrp="1"/>
+          </p:cNvSpPr>
+          <p:nvPr>
+            <p:ph type="sldNum" sz="quarter" idx="12"/>
+          </p:nvPr>
+        </p:nvSpPr>
+        <p:spPr/>
+        <p:txBody>
+          <a:bodyPr/>
+          <a:lstStyle/>
+          <a:p>
+            <a:fld id="{DCF30976-4E8F-417C-866E-A81683010615}" type="slidenum">
+              <a:rPr lang="ko-KR" altLang="en-US" smtClean="0"/>
+              <a:pPr/>
+              <a:t>11</a:t>
+            </a:fld>
+            <a:endParaRPr lang="ko-KR" altLang="en-US"/>
+          </a:p>
+        </p:txBody>
+      </p:sp>
+    </p:spTree>
+    <p:extLst>
+      <p:ext uri="{BB962C8B-B14F-4D97-AF65-F5344CB8AC3E}">
+        <p14:creationId xmlns:p14="http://schemas.microsoft.com/office/powerpoint/2010/main" val="4259092469"/>
+      </p:ext>
+    </p:extLst>
+  </p:cSld>
+  <p:clrMapOvr>
+    <a:masterClrMapping/>
+  </p:clrMapOvr>
+</p:sld>
+</file>
+
+<file path=ppt/slides/slide12.xml><?xml version="1.0" encoding="utf-8"?>
+<p:sld xmlns:a="http://schemas.openxmlformats.org/drawingml/2006/main" xmlns:r="http://schemas.openxmlformats.org/officeDocument/2006/relationships" xmlns:p="http://schemas.openxmlformats.org/presentationml/2006/main">
+  <p:cSld>
+    <p:spTree>
+      <p:nvGrpSpPr>
+        <p:cNvPr id="1" name=""/>
+        <p:cNvGrpSpPr/>
+        <p:nvPr/>
+      </p:nvGrpSpPr>
+      <p:grpSpPr>
+        <a:xfrm>
+          <a:off x="0" y="0"/>
+          <a:ext cx="0" cy="0"/>
+          <a:chOff x="0" y="0"/>
+          <a:chExt cx="0" cy="0"/>
+        </a:xfrm>
+      </p:grpSpPr>
+      <p:sp>
+        <p:nvSpPr>
+          <p:cNvPr id="2" name="제목 1">
+            <a:extLst>
+              <a:ext uri="{FF2B5EF4-FFF2-40B4-BE49-F238E27FC236}">
+                <a16:creationId xmlns:a16="http://schemas.microsoft.com/office/drawing/2014/main" id="{6A9C66CF-C8BE-F432-F542-A56D5B6346C4}"/>
+              </a:ext>
+            </a:extLst>
+          </p:cNvPr>
+          <p:cNvSpPr>
+            <a:spLocks noGrp="1"/>
+          </p:cNvSpPr>
+          <p:nvPr>
+            <p:ph type="title"/>
+          </p:nvPr>
+        </p:nvSpPr>
+        <p:spPr/>
+        <p:txBody>
+          <a:bodyPr/>
+          <a:lstStyle/>
+          <a:p>
+            <a:r>
+              <a:rPr lang="en-US" altLang="ko-KR" dirty="0"/>
+              <a:t>Boruta </a:t>
+            </a:r>
+            <a:endParaRPr lang="ko-KR" altLang="en-US" dirty="0"/>
+          </a:p>
+        </p:txBody>
+      </p:sp>
+      <p:sp>
+        <p:nvSpPr>
+          <p:cNvPr id="3" name="내용 개체 틀 2">
+            <a:extLst>
+              <a:ext uri="{FF2B5EF4-FFF2-40B4-BE49-F238E27FC236}">
+                <a16:creationId xmlns:a16="http://schemas.microsoft.com/office/drawing/2014/main" id="{10ABD30E-C65D-DFC8-FC71-5DA235357527}"/>
+              </a:ext>
+            </a:extLst>
+          </p:cNvPr>
+          <p:cNvSpPr>
+            <a:spLocks noGrp="1"/>
+          </p:cNvSpPr>
+          <p:nvPr>
+            <p:ph idx="1"/>
+          </p:nvPr>
+        </p:nvSpPr>
+        <p:spPr/>
+        <p:txBody>
+          <a:bodyPr/>
+          <a:lstStyle/>
+          <a:p>
+            <a:r>
+              <a:rPr lang="en-US" altLang="ko-KR" dirty="0"/>
+              <a:t>Result</a:t>
+            </a:r>
+          </a:p>
+          <a:p>
+            <a:pPr lvl="1"/>
+            <a:r>
+              <a:rPr lang="en-US" altLang="ko-KR" dirty="0"/>
+              <a:t>Input : random select , output : </a:t>
+            </a:r>
+            <a:r>
+              <a:rPr lang="en-US" altLang="ko-KR" dirty="0" err="1"/>
+              <a:t>FyFL</a:t>
+            </a:r>
+            <a:r>
+              <a:rPr lang="en-US" altLang="ko-KR" dirty="0"/>
+              <a:t>(Front Left Wheel y axis Force)</a:t>
+            </a:r>
+          </a:p>
+          <a:p>
+            <a:endParaRPr lang="en-US" altLang="ko-KR" dirty="0"/>
+          </a:p>
+        </p:txBody>
+      </p:sp>
+      <p:sp>
+        <p:nvSpPr>
+          <p:cNvPr id="4" name="슬라이드 번호 개체 틀 3">
+            <a:extLst>
+              <a:ext uri="{FF2B5EF4-FFF2-40B4-BE49-F238E27FC236}">
+                <a16:creationId xmlns:a16="http://schemas.microsoft.com/office/drawing/2014/main" id="{6D9DDC3D-3A75-A85D-D0FA-084FC3734EA3}"/>
+              </a:ext>
+            </a:extLst>
+          </p:cNvPr>
+          <p:cNvSpPr>
+            <a:spLocks noGrp="1"/>
+          </p:cNvSpPr>
+          <p:nvPr>
+            <p:ph type="sldNum" sz="quarter" idx="12"/>
+          </p:nvPr>
+        </p:nvSpPr>
+        <p:spPr/>
+        <p:txBody>
+          <a:bodyPr/>
+          <a:lstStyle/>
+          <a:p>
+            <a:fld id="{DCF30976-4E8F-417C-866E-A81683010615}" type="slidenum">
+              <a:rPr lang="ko-KR" altLang="en-US" smtClean="0"/>
+              <a:pPr/>
+              <a:t>12</a:t>
+            </a:fld>
+            <a:endParaRPr lang="ko-KR" altLang="en-US"/>
+          </a:p>
+        </p:txBody>
+      </p:sp>
+      <p:pic>
+        <p:nvPicPr>
+          <p:cNvPr id="6" name="그림 5">
+            <a:extLst>
+              <a:ext uri="{FF2B5EF4-FFF2-40B4-BE49-F238E27FC236}">
+                <a16:creationId xmlns:a16="http://schemas.microsoft.com/office/drawing/2014/main" id="{DE817D7B-2B59-8863-4AF8-3BAF24E75045}"/>
+              </a:ext>
+            </a:extLst>
+          </p:cNvPr>
+          <p:cNvPicPr>
+            <a:picLocks noChangeAspect="1"/>
+          </p:cNvPicPr>
+          <p:nvPr/>
+        </p:nvPicPr>
+        <p:blipFill>
+          <a:blip r:embed="rId2"/>
+          <a:stretch>
+            <a:fillRect/>
+          </a:stretch>
+        </p:blipFill>
+        <p:spPr>
+          <a:xfrm>
+            <a:off x="10001579" y="1123952"/>
+            <a:ext cx="1453821" cy="4893187"/>
+          </a:xfrm>
+          <a:prstGeom prst="rect">
+            <a:avLst/>
+          </a:prstGeom>
+        </p:spPr>
+      </p:pic>
+    </p:spTree>
+    <p:extLst>
+      <p:ext uri="{BB962C8B-B14F-4D97-AF65-F5344CB8AC3E}">
+        <p14:creationId xmlns:p14="http://schemas.microsoft.com/office/powerpoint/2010/main" val="822352750"/>
+      </p:ext>
+    </p:extLst>
+  </p:cSld>
+  <p:clrMapOvr>
+    <a:masterClrMapping/>
+  </p:clrMapOvr>
+</p:sld>
+</file>
+
+<file path=ppt/slides/slide13.xml><?xml version="1.0" encoding="utf-8"?>
+<p:sld xmlns:a="http://schemas.openxmlformats.org/drawingml/2006/main" xmlns:r="http://schemas.openxmlformats.org/officeDocument/2006/relationships" xmlns:p="http://schemas.openxmlformats.org/presentationml/2006/main">
+  <p:cSld>
+    <p:spTree>
+      <p:nvGrpSpPr>
+        <p:cNvPr id="1" name=""/>
+        <p:cNvGrpSpPr/>
+        <p:nvPr/>
+      </p:nvGrpSpPr>
+      <p:grpSpPr>
+        <a:xfrm>
+          <a:off x="0" y="0"/>
+          <a:ext cx="0" cy="0"/>
+          <a:chOff x="0" y="0"/>
+          <a:chExt cx="0" cy="0"/>
+        </a:xfrm>
+      </p:grpSpPr>
+      <p:sp>
+        <p:nvSpPr>
+          <p:cNvPr id="2" name="제목 1">
+            <a:extLst>
+              <a:ext uri="{FF2B5EF4-FFF2-40B4-BE49-F238E27FC236}">
+                <a16:creationId xmlns:a16="http://schemas.microsoft.com/office/drawing/2014/main" id="{6A9C66CF-C8BE-F432-F542-A56D5B6346C4}"/>
+              </a:ext>
+            </a:extLst>
+          </p:cNvPr>
+          <p:cNvSpPr>
+            <a:spLocks noGrp="1"/>
+          </p:cNvSpPr>
+          <p:nvPr>
+            <p:ph type="title"/>
+          </p:nvPr>
+        </p:nvSpPr>
+        <p:spPr/>
+        <p:txBody>
+          <a:bodyPr/>
+          <a:lstStyle/>
+          <a:p>
+            <a:r>
+              <a:rPr lang="en-US" altLang="ko-KR" dirty="0"/>
+              <a:t>My Model </a:t>
+            </a:r>
+            <a:endParaRPr lang="ko-KR" altLang="en-US" dirty="0"/>
+          </a:p>
+        </p:txBody>
+      </p:sp>
+      <p:sp>
+        <p:nvSpPr>
+          <p:cNvPr id="3" name="내용 개체 틀 2">
+            <a:extLst>
+              <a:ext uri="{FF2B5EF4-FFF2-40B4-BE49-F238E27FC236}">
+                <a16:creationId xmlns:a16="http://schemas.microsoft.com/office/drawing/2014/main" id="{10ABD30E-C65D-DFC8-FC71-5DA235357527}"/>
+              </a:ext>
+            </a:extLst>
+          </p:cNvPr>
+          <p:cNvSpPr>
+            <a:spLocks noGrp="1"/>
+          </p:cNvSpPr>
+          <p:nvPr>
+            <p:ph idx="1"/>
+          </p:nvPr>
+        </p:nvSpPr>
+        <p:spPr/>
+        <p:txBody>
+          <a:bodyPr/>
+          <a:lstStyle/>
+          <a:p>
+            <a:r>
+              <a:rPr lang="en-US" altLang="ko-KR" dirty="0"/>
+              <a:t>Method</a:t>
+            </a:r>
+          </a:p>
+          <a:p>
+            <a:pPr lvl="1"/>
+            <a:r>
+              <a:rPr lang="en-US" altLang="ko-KR" dirty="0"/>
+              <a:t>Use Boruta </a:t>
+            </a:r>
+          </a:p>
+          <a:p>
+            <a:pPr lvl="1"/>
+            <a:r>
+              <a:rPr lang="en-US" altLang="ko-KR" dirty="0"/>
+              <a:t>Visualization the select data.</a:t>
+            </a:r>
+          </a:p>
+          <a:p>
+            <a:pPr lvl="1"/>
+            <a:endParaRPr lang="en-US" altLang="ko-KR" dirty="0"/>
+          </a:p>
+          <a:p>
+            <a:r>
+              <a:rPr lang="en-US" altLang="ko-KR" dirty="0"/>
+              <a:t>Variables</a:t>
+            </a:r>
+          </a:p>
+          <a:p>
+            <a:pPr lvl="1"/>
+            <a:r>
+              <a:rPr lang="en-US" altLang="ko-KR" dirty="0"/>
+              <a:t>Gathering Data using CARMAKER</a:t>
+            </a:r>
+          </a:p>
+          <a:p>
+            <a:pPr lvl="1"/>
+            <a:r>
+              <a:rPr lang="en-US" altLang="ko-KR" dirty="0"/>
+              <a:t>Data is </a:t>
+            </a:r>
+            <a:r>
+              <a:rPr lang="en-US" altLang="ko-KR" dirty="0" err="1"/>
+              <a:t>gatherd</a:t>
+            </a:r>
+            <a:r>
+              <a:rPr lang="en-US" altLang="ko-KR" dirty="0"/>
+              <a:t> sensor Data and control Data that can achieve </a:t>
+            </a:r>
+          </a:p>
+        </p:txBody>
+      </p:sp>
+      <p:sp>
+        <p:nvSpPr>
+          <p:cNvPr id="4" name="슬라이드 번호 개체 틀 3">
+            <a:extLst>
+              <a:ext uri="{FF2B5EF4-FFF2-40B4-BE49-F238E27FC236}">
+                <a16:creationId xmlns:a16="http://schemas.microsoft.com/office/drawing/2014/main" id="{6D9DDC3D-3A75-A85D-D0FA-084FC3734EA3}"/>
+              </a:ext>
+            </a:extLst>
+          </p:cNvPr>
+          <p:cNvSpPr>
+            <a:spLocks noGrp="1"/>
+          </p:cNvSpPr>
+          <p:nvPr>
+            <p:ph type="sldNum" sz="quarter" idx="12"/>
+          </p:nvPr>
+        </p:nvSpPr>
+        <p:spPr/>
+        <p:txBody>
+          <a:bodyPr/>
+          <a:lstStyle/>
+          <a:p>
+            <a:fld id="{DCF30976-4E8F-417C-866E-A81683010615}" type="slidenum">
+              <a:rPr lang="ko-KR" altLang="en-US" smtClean="0"/>
+              <a:pPr/>
+              <a:t>13</a:t>
+            </a:fld>
+            <a:endParaRPr lang="ko-KR" altLang="en-US"/>
+          </a:p>
+        </p:txBody>
+      </p:sp>
+    </p:spTree>
+    <p:extLst>
+      <p:ext uri="{BB962C8B-B14F-4D97-AF65-F5344CB8AC3E}">
+        <p14:creationId xmlns:p14="http://schemas.microsoft.com/office/powerpoint/2010/main" val="2326590706"/>
+      </p:ext>
+    </p:extLst>
+  </p:cSld>
+  <p:clrMapOvr>
+    <a:masterClrMapping/>
+  </p:clrMapOvr>
+</p:sld>
+</file>
+
+<file path=ppt/slides/slide14.xml><?xml version="1.0" encoding="utf-8"?>
+<p:sld xmlns:a="http://schemas.openxmlformats.org/drawingml/2006/main" xmlns:r="http://schemas.openxmlformats.org/officeDocument/2006/relationships" xmlns:p="http://schemas.openxmlformats.org/presentationml/2006/main">
+  <p:cSld>
+    <p:spTree>
+      <p:nvGrpSpPr>
+        <p:cNvPr id="1" name=""/>
+        <p:cNvGrpSpPr/>
+        <p:nvPr/>
+      </p:nvGrpSpPr>
+      <p:grpSpPr>
+        <a:xfrm>
+          <a:off x="0" y="0"/>
+          <a:ext cx="0" cy="0"/>
+          <a:chOff x="0" y="0"/>
+          <a:chExt cx="0" cy="0"/>
+        </a:xfrm>
+      </p:grpSpPr>
+      <p:sp>
+        <p:nvSpPr>
+          <p:cNvPr id="2" name="제목 1">
+            <a:extLst>
+              <a:ext uri="{FF2B5EF4-FFF2-40B4-BE49-F238E27FC236}">
                 <a16:creationId xmlns:a16="http://schemas.microsoft.com/office/drawing/2014/main" id="{B144D25B-0504-65AE-A0A2-A2E0522BEE05}"/>
               </a:ext>
             </a:extLst>
@@ -2997,7 +3678,7 @@
 </p:sld>
 </file>
 
-<file path=ppt/slides/slide11.xml><?xml version="1.0" encoding="utf-8"?>
+<file path=ppt/slides/slide15.xml><?xml version="1.0" encoding="utf-8"?>
 <p:sld xmlns:a="http://schemas.openxmlformats.org/drawingml/2006/main" xmlns:r="http://schemas.openxmlformats.org/officeDocument/2006/relationships" xmlns:p="http://schemas.openxmlformats.org/presentationml/2006/main">
   <p:cSld>
     <p:spTree>
@@ -3226,14 +3907,15 @@
         </p:nvSpPr>
         <p:spPr/>
         <p:txBody>
-          <a:bodyPr/>
+          <a:bodyPr>
+            <a:normAutofit/>
+          </a:bodyPr>
           <a:lstStyle/>
           <a:p>
             <a:r>
               <a:rPr lang="en-US" altLang="ko-KR" dirty="0"/>
-              <a:t>Sensitivity analysis</a:t>
+              <a:t>Sobol’s method</a:t>
             </a:r>
-            <a:endParaRPr lang="en-US" altLang="ko-KR" sz="2400" dirty="0"/>
           </a:p>
         </p:txBody>
       </p:sp>
@@ -3313,15 +3995,7 @@
             <a:pPr lvl="1"/>
             <a:r>
               <a:rPr lang="en-US" altLang="ko-KR" sz="1600" dirty="0"/>
-              <a:t>Can measure sensitivity across </a:t>
-            </a:r>
-            <a:r>
-              <a:rPr lang="en-US" altLang="ko-KR" sz="1600"/>
-              <a:t>the whole </a:t>
-            </a:r>
-            <a:r>
-              <a:rPr lang="en-US" altLang="ko-KR" sz="1600" dirty="0"/>
-              <a:t>input space</a:t>
+              <a:t>Can measure sensitivity across the whole input space</a:t>
             </a:r>
             <a:endParaRPr lang="ko-KR" altLang="ko-KR" sz="1600" dirty="0"/>
           </a:p>
@@ -3418,14 +4092,15 @@
         </p:nvSpPr>
         <p:spPr/>
         <p:txBody>
-          <a:bodyPr/>
+          <a:bodyPr>
+            <a:normAutofit/>
+          </a:bodyPr>
           <a:lstStyle/>
           <a:p>
             <a:r>
               <a:rPr lang="en-US" altLang="ko-KR" dirty="0"/>
-              <a:t>Sensitivity analysis</a:t>
+              <a:t>Sobol’s method</a:t>
             </a:r>
-            <a:endParaRPr lang="en-US" altLang="ko-KR" sz="2400" dirty="0"/>
           </a:p>
         </p:txBody>
       </p:sp>
@@ -6072,14 +6747,14 @@
           <a:p>
             <a:r>
               <a:rPr lang="en-US" altLang="ko-KR" dirty="0"/>
-              <a:t>Sensitivity analysis</a:t>
+              <a:t>Sobol’s method</a:t>
             </a:r>
             <a:endParaRPr lang="en-US" altLang="ko-KR" sz="2400" dirty="0"/>
           </a:p>
         </p:txBody>
       </p:sp>
-      <mc:AlternateContent xmlns:mc="http://schemas.openxmlformats.org/markup-compatibility/2006">
-        <mc:Choice xmlns:a14="http://schemas.microsoft.com/office/drawing/2010/main" Requires="a14">
+      <mc:AlternateContent xmlns:mc="http://schemas.openxmlformats.org/markup-compatibility/2006" xmlns:a14="http://schemas.microsoft.com/office/drawing/2010/main">
+        <mc:Choice Requires="a14">
           <p:sp>
             <p:nvSpPr>
               <p:cNvPr id="3" name="내용 개체 틀 2">
@@ -6474,13 +7149,7 @@
                       <a:rPr lang="en-US" altLang="ko-KR" sz="1600" b="0" i="1" smtClean="0">
                         <a:latin typeface="Cambria Math" panose="02040503050406030204" pitchFamily="18" charset="0"/>
                       </a:rPr>
-                      <m:t>=</m:t>
-                    </m:r>
-                    <m:r>
-                      <a:rPr lang="en-US" altLang="ko-KR" sz="1600" b="0" i="1" smtClean="0">
-                        <a:latin typeface="Cambria Math" panose="02040503050406030204" pitchFamily="18" charset="0"/>
-                      </a:rPr>
-                      <m:t>1−</m:t>
+                      <m:t>=1−</m:t>
                     </m:r>
                     <m:f>
                       <m:fPr>
@@ -6574,7 +7243,7 @@
                         <m:sSub>
                           <m:sSubPr>
                             <m:ctrlPr>
-                              <a:rPr lang="en-US" altLang="ko-KR" sz="1600" b="0" i="0" smtClean="0">
+                              <a:rPr lang="en-US" altLang="ko-KR" sz="1600" b="0" i="1" smtClean="0">
                                 <a:latin typeface="Cambria Math" panose="02040503050406030204" pitchFamily="18" charset="0"/>
                               </a:rPr>
                             </m:ctrlPr>
@@ -6646,7 +7315,7 @@
             </p:txBody>
           </p:sp>
         </mc:Choice>
-        <mc:Fallback>
+        <mc:Fallback xmlns="">
           <p:sp>
             <p:nvSpPr>
               <p:cNvPr id="3" name="내용 개체 틀 2">
@@ -6769,7 +7438,7 @@
           <a:p>
             <a:r>
               <a:rPr lang="en-US" altLang="ko-KR" dirty="0"/>
-              <a:t>Sensitivity analysis</a:t>
+              <a:t>Sobol’s method</a:t>
             </a:r>
             <a:endParaRPr lang="en-US" altLang="ko-KR" sz="2400" dirty="0"/>
           </a:p>
@@ -7602,8 +8271,8 @@
           </a:p>
         </p:txBody>
       </p:sp>
-      <mc:AlternateContent xmlns:mc="http://schemas.openxmlformats.org/markup-compatibility/2006">
-        <mc:Choice xmlns:a14="http://schemas.microsoft.com/office/drawing/2010/main" Requires="a14">
+      <mc:AlternateContent xmlns:mc="http://schemas.openxmlformats.org/markup-compatibility/2006" xmlns:a14="http://schemas.microsoft.com/office/drawing/2010/main">
+        <mc:Choice Requires="a14">
           <p:sp>
             <p:nvSpPr>
               <p:cNvPr id="13" name="내용 개체 틀 2">
@@ -7989,7 +8658,7 @@
             </p:txBody>
           </p:sp>
         </mc:Choice>
-        <mc:Fallback>
+        <mc:Fallback xmlns="">
           <p:sp>
             <p:nvSpPr>
               <p:cNvPr id="13" name="내용 개체 틀 2">
@@ -8087,7 +8756,7 @@
           <a:p>
             <a:r>
               <a:rPr lang="en-US" altLang="ko-KR" dirty="0"/>
-              <a:t>Sensitivity analysis</a:t>
+              <a:t>Sobol’s method</a:t>
             </a:r>
             <a:endParaRPr lang="en-US" altLang="ko-KR" sz="2400" dirty="0"/>
           </a:p>
@@ -8920,8 +9589,8 @@
           </a:p>
         </p:txBody>
       </p:sp>
-      <mc:AlternateContent xmlns:mc="http://schemas.openxmlformats.org/markup-compatibility/2006">
-        <mc:Choice xmlns:a14="http://schemas.microsoft.com/office/drawing/2010/main" Requires="a14">
+      <mc:AlternateContent xmlns:mc="http://schemas.openxmlformats.org/markup-compatibility/2006" xmlns:a14="http://schemas.microsoft.com/office/drawing/2010/main">
+        <mc:Choice Requires="a14">
           <p:sp>
             <p:nvSpPr>
               <p:cNvPr id="7" name="내용 개체 틀 2">
@@ -9307,7 +9976,7 @@
             </p:txBody>
           </p:sp>
         </mc:Choice>
-        <mc:Fallback>
+        <mc:Fallback xmlns="">
           <p:sp>
             <p:nvSpPr>
               <p:cNvPr id="7" name="내용 개체 틀 2">
@@ -9387,7 +10056,7 @@
           <p:cNvPr id="2" name="제목 1">
             <a:extLst>
               <a:ext uri="{FF2B5EF4-FFF2-40B4-BE49-F238E27FC236}">
-                <a16:creationId xmlns:a16="http://schemas.microsoft.com/office/drawing/2014/main" id="{567659D1-2520-4ED1-6F0A-011909948FD3}"/>
+                <a16:creationId xmlns:a16="http://schemas.microsoft.com/office/drawing/2014/main" id="{6A9C66CF-C8BE-F432-F542-A56D5B6346C4}"/>
               </a:ext>
             </a:extLst>
           </p:cNvPr>
@@ -9405,9 +10074,59 @@
           <a:p>
             <a:r>
               <a:rPr lang="en-US" altLang="ko-KR" dirty="0"/>
-              <a:t>Sensitivity analysis</a:t>
+              <a:t>Sobol’s method</a:t>
             </a:r>
-            <a:endParaRPr lang="en-US" altLang="ko-KR" sz="2400" dirty="0"/>
+            <a:endParaRPr lang="ko-KR" altLang="en-US" dirty="0"/>
+          </a:p>
+        </p:txBody>
+      </p:sp>
+      <p:sp>
+        <p:nvSpPr>
+          <p:cNvPr id="3" name="내용 개체 틀 2">
+            <a:extLst>
+              <a:ext uri="{FF2B5EF4-FFF2-40B4-BE49-F238E27FC236}">
+                <a16:creationId xmlns:a16="http://schemas.microsoft.com/office/drawing/2014/main" id="{10ABD30E-C65D-DFC8-FC71-5DA235357527}"/>
+              </a:ext>
+            </a:extLst>
+          </p:cNvPr>
+          <p:cNvSpPr>
+            <a:spLocks noGrp="1"/>
+          </p:cNvSpPr>
+          <p:nvPr>
+            <p:ph idx="1"/>
+          </p:nvPr>
+        </p:nvSpPr>
+        <p:spPr/>
+        <p:txBody>
+          <a:bodyPr/>
+          <a:lstStyle/>
+          <a:p>
+            <a:r>
+              <a:rPr lang="en-US" altLang="ko-KR" dirty="0"/>
+              <a:t>The Difficult situation of usage</a:t>
+            </a:r>
+          </a:p>
+          <a:p>
+            <a:pPr lvl="1"/>
+            <a:r>
+              <a:rPr lang="en-US" altLang="ko-KR" dirty="0"/>
+              <a:t>The dataset I have is collected using sensor data, not control values. Therefore, it's not certain that it contains the same values.</a:t>
+            </a:r>
+          </a:p>
+          <a:p>
+            <a:r>
+              <a:rPr lang="en-US" altLang="ko-KR" dirty="0"/>
+              <a:t>So I won’t use this method</a:t>
+            </a:r>
+          </a:p>
+          <a:p>
+            <a:endParaRPr lang="en-US" altLang="ko-KR" dirty="0"/>
+          </a:p>
+          <a:p>
+            <a:endParaRPr lang="en-US" altLang="ko-KR" dirty="0"/>
+          </a:p>
+          <a:p>
+            <a:endParaRPr lang="en-US" altLang="ko-KR" dirty="0"/>
           </a:p>
         </p:txBody>
       </p:sp>
@@ -9416,7 +10135,7 @@
           <p:cNvPr id="4" name="슬라이드 번호 개체 틀 3">
             <a:extLst>
               <a:ext uri="{FF2B5EF4-FFF2-40B4-BE49-F238E27FC236}">
-                <a16:creationId xmlns:a16="http://schemas.microsoft.com/office/drawing/2014/main" id="{E391A202-BF1F-E031-8117-8907DD29D9DD}"/>
+                <a16:creationId xmlns:a16="http://schemas.microsoft.com/office/drawing/2014/main" id="{6D9DDC3D-3A75-A85D-D0FA-084FC3734EA3}"/>
               </a:ext>
             </a:extLst>
           </p:cNvPr>
@@ -9441,470 +10160,10 @@
           </a:p>
         </p:txBody>
       </p:sp>
-      <p:sp>
-        <p:nvSpPr>
-          <p:cNvPr id="8" name="TextBox 7">
-            <a:extLst>
-              <a:ext uri="{FF2B5EF4-FFF2-40B4-BE49-F238E27FC236}">
-                <a16:creationId xmlns:a16="http://schemas.microsoft.com/office/drawing/2014/main" id="{ABD920EA-9C26-2497-B698-A6BA9BBD8C8B}"/>
-              </a:ext>
-            </a:extLst>
-          </p:cNvPr>
-          <p:cNvSpPr txBox="1"/>
-          <p:nvPr/>
-        </p:nvSpPr>
-        <p:spPr>
-          <a:xfrm>
-            <a:off x="1046748" y="1534026"/>
-            <a:ext cx="184731" cy="369332"/>
-          </a:xfrm>
-          <a:prstGeom prst="rect">
-            <a:avLst/>
-          </a:prstGeom>
-          <a:noFill/>
-        </p:spPr>
-        <p:txBody>
-          <a:bodyPr wrap="none" rtlCol="0">
-            <a:spAutoFit/>
-          </a:bodyPr>
-          <a:lstStyle/>
-          <a:p>
-            <a:endParaRPr lang="ko-KR" altLang="en-US" dirty="0"/>
-          </a:p>
-        </p:txBody>
-      </p:sp>
-      <mc:AlternateContent xmlns:mc="http://schemas.openxmlformats.org/markup-compatibility/2006">
-        <mc:Choice xmlns:a14="http://schemas.microsoft.com/office/drawing/2010/main" Requires="a14">
-          <p:sp>
-            <p:nvSpPr>
-              <p:cNvPr id="14" name="내용 개체 틀 2">
-                <a:extLst>
-                  <a:ext uri="{FF2B5EF4-FFF2-40B4-BE49-F238E27FC236}">
-                    <a16:creationId xmlns:a16="http://schemas.microsoft.com/office/drawing/2014/main" id="{32EF95E1-5AF6-3A7F-CD49-388B31D564A6}"/>
-                  </a:ext>
-                </a:extLst>
-              </p:cNvPr>
-              <p:cNvSpPr txBox="1">
-                <a:spLocks/>
-              </p:cNvSpPr>
-              <p:nvPr/>
-            </p:nvSpPr>
-            <p:spPr>
-              <a:xfrm>
-                <a:off x="838200" y="1123952"/>
-                <a:ext cx="10515600" cy="5053013"/>
-              </a:xfrm>
-              <a:prstGeom prst="rect">
-                <a:avLst/>
-              </a:prstGeom>
-            </p:spPr>
-            <p:txBody>
-              <a:bodyPr vert="horz" lIns="91440" tIns="45720" rIns="91440" bIns="45720" rtlCol="0">
-                <a:normAutofit/>
-              </a:bodyPr>
-              <a:lstStyle>
-                <a:lvl1pPr marL="228584" indent="-228584" algn="l" defTabSz="914332" rtl="0" eaLnBrk="1" latinLnBrk="1" hangingPunct="1">
-                  <a:lnSpc>
-                    <a:spcPct val="150000"/>
-                  </a:lnSpc>
-                  <a:spcBef>
-                    <a:spcPts val="1000"/>
-                  </a:spcBef>
-                  <a:buFont typeface="Wingdings" panose="05000000000000000000" pitchFamily="2" charset="2"/>
-                  <a:buChar char="Ø"/>
-                  <a:defRPr sz="2400" kern="1200">
-                    <a:solidFill>
-                      <a:schemeClr val="tx1"/>
-                    </a:solidFill>
-                    <a:latin typeface="+mn-lt"/>
-                    <a:ea typeface="+mn-ea"/>
-                    <a:cs typeface="+mn-cs"/>
-                  </a:defRPr>
-                </a:lvl1pPr>
-                <a:lvl2pPr marL="685750" indent="-228584" algn="l" defTabSz="914332" rtl="0" eaLnBrk="1" latinLnBrk="1" hangingPunct="1">
-                  <a:lnSpc>
-                    <a:spcPct val="150000"/>
-                  </a:lnSpc>
-                  <a:spcBef>
-                    <a:spcPts val="500"/>
-                  </a:spcBef>
-                  <a:buClrTx/>
-                  <a:buSzPct val="95000"/>
-                  <a:buFont typeface="Wingdings" panose="05000000000000000000" pitchFamily="2" charset="2"/>
-                  <a:buChar char="§"/>
-                  <a:defRPr sz="2000" kern="1200">
-                    <a:solidFill>
-                      <a:schemeClr val="tx1"/>
-                    </a:solidFill>
-                    <a:latin typeface="+mn-lt"/>
-                    <a:ea typeface="+mn-ea"/>
-                    <a:cs typeface="+mn-cs"/>
-                  </a:defRPr>
-                </a:lvl2pPr>
-                <a:lvl3pPr marL="1142914" indent="-228584" algn="l" defTabSz="914332" rtl="0" eaLnBrk="1" latinLnBrk="1" hangingPunct="1">
-                  <a:lnSpc>
-                    <a:spcPct val="150000"/>
-                  </a:lnSpc>
-                  <a:spcBef>
-                    <a:spcPts val="500"/>
-                  </a:spcBef>
-                  <a:buFont typeface="Arial" panose="020B0604020202020204" pitchFamily="34" charset="0"/>
-                  <a:buChar char="•"/>
-                  <a:defRPr sz="1800" kern="1200">
-                    <a:solidFill>
-                      <a:schemeClr val="tx1"/>
-                    </a:solidFill>
-                    <a:latin typeface="+mn-lt"/>
-                    <a:ea typeface="+mn-ea"/>
-                    <a:cs typeface="+mn-cs"/>
-                  </a:defRPr>
-                </a:lvl3pPr>
-                <a:lvl4pPr marL="1600080" indent="-228584" algn="l" defTabSz="914332" rtl="0" eaLnBrk="1" latinLnBrk="1" hangingPunct="1">
-                  <a:lnSpc>
-                    <a:spcPct val="90000"/>
-                  </a:lnSpc>
-                  <a:spcBef>
-                    <a:spcPts val="500"/>
-                  </a:spcBef>
-                  <a:buFont typeface="Arial" panose="020B0604020202020204" pitchFamily="34" charset="0"/>
-                  <a:buChar char="•"/>
-                  <a:defRPr sz="1800" kern="1200">
-                    <a:solidFill>
-                      <a:srgbClr val="18396A"/>
-                    </a:solidFill>
-                    <a:latin typeface="+mn-lt"/>
-                    <a:ea typeface="+mn-ea"/>
-                    <a:cs typeface="+mn-cs"/>
-                  </a:defRPr>
-                </a:lvl4pPr>
-                <a:lvl5pPr marL="2057247" indent="-228584" algn="l" defTabSz="914332" rtl="0" eaLnBrk="1" latinLnBrk="1" hangingPunct="1">
-                  <a:lnSpc>
-                    <a:spcPct val="90000"/>
-                  </a:lnSpc>
-                  <a:spcBef>
-                    <a:spcPts val="500"/>
-                  </a:spcBef>
-                  <a:buFont typeface="Arial" panose="020B0604020202020204" pitchFamily="34" charset="0"/>
-                  <a:buChar char="•"/>
-                  <a:defRPr sz="1800" kern="1200">
-                    <a:solidFill>
-                      <a:srgbClr val="18396A"/>
-                    </a:solidFill>
-                    <a:latin typeface="+mn-lt"/>
-                    <a:ea typeface="+mn-ea"/>
-                    <a:cs typeface="+mn-cs"/>
-                  </a:defRPr>
-                </a:lvl5pPr>
-                <a:lvl6pPr marL="2514412" indent="-228584" algn="l" defTabSz="914332" rtl="0" eaLnBrk="1" latinLnBrk="1" hangingPunct="1">
-                  <a:lnSpc>
-                    <a:spcPct val="90000"/>
-                  </a:lnSpc>
-                  <a:spcBef>
-                    <a:spcPts val="500"/>
-                  </a:spcBef>
-                  <a:buFont typeface="Arial" panose="020B0604020202020204" pitchFamily="34" charset="0"/>
-                  <a:buChar char="•"/>
-                  <a:defRPr sz="1800" kern="1200">
-                    <a:solidFill>
-                      <a:schemeClr val="tx1"/>
-                    </a:solidFill>
-                    <a:latin typeface="+mn-lt"/>
-                    <a:ea typeface="+mn-ea"/>
-                    <a:cs typeface="+mn-cs"/>
-                  </a:defRPr>
-                </a:lvl6pPr>
-                <a:lvl7pPr marL="2971578" indent="-228584" algn="l" defTabSz="914332" rtl="0" eaLnBrk="1" latinLnBrk="1" hangingPunct="1">
-                  <a:lnSpc>
-                    <a:spcPct val="90000"/>
-                  </a:lnSpc>
-                  <a:spcBef>
-                    <a:spcPts val="500"/>
-                  </a:spcBef>
-                  <a:buFont typeface="Arial" panose="020B0604020202020204" pitchFamily="34" charset="0"/>
-                  <a:buChar char="•"/>
-                  <a:defRPr sz="1800" kern="1200">
-                    <a:solidFill>
-                      <a:schemeClr val="tx1"/>
-                    </a:solidFill>
-                    <a:latin typeface="+mn-lt"/>
-                    <a:ea typeface="+mn-ea"/>
-                    <a:cs typeface="+mn-cs"/>
-                  </a:defRPr>
-                </a:lvl7pPr>
-                <a:lvl8pPr marL="3428744" indent="-228584" algn="l" defTabSz="914332" rtl="0" eaLnBrk="1" latinLnBrk="1" hangingPunct="1">
-                  <a:lnSpc>
-                    <a:spcPct val="90000"/>
-                  </a:lnSpc>
-                  <a:spcBef>
-                    <a:spcPts val="500"/>
-                  </a:spcBef>
-                  <a:buFont typeface="Arial" panose="020B0604020202020204" pitchFamily="34" charset="0"/>
-                  <a:buChar char="•"/>
-                  <a:defRPr sz="1800" kern="1200">
-                    <a:solidFill>
-                      <a:schemeClr val="tx1"/>
-                    </a:solidFill>
-                    <a:latin typeface="+mn-lt"/>
-                    <a:ea typeface="+mn-ea"/>
-                    <a:cs typeface="+mn-cs"/>
-                  </a:defRPr>
-                </a:lvl8pPr>
-                <a:lvl9pPr marL="3885910" indent="-228584" algn="l" defTabSz="914332" rtl="0" eaLnBrk="1" latinLnBrk="1" hangingPunct="1">
-                  <a:lnSpc>
-                    <a:spcPct val="90000"/>
-                  </a:lnSpc>
-                  <a:spcBef>
-                    <a:spcPts val="500"/>
-                  </a:spcBef>
-                  <a:buFont typeface="Arial" panose="020B0604020202020204" pitchFamily="34" charset="0"/>
-                  <a:buChar char="•"/>
-                  <a:defRPr sz="1800" kern="1200">
-                    <a:solidFill>
-                      <a:schemeClr val="tx1"/>
-                    </a:solidFill>
-                    <a:latin typeface="+mn-lt"/>
-                    <a:ea typeface="+mn-ea"/>
-                    <a:cs typeface="+mn-cs"/>
-                  </a:defRPr>
-                </a:lvl9pPr>
-              </a:lstStyle>
-              <a:p>
-                <a:r>
-                  <a:rPr lang="en-US" altLang="ko-KR" dirty="0"/>
-                  <a:t>Example of Calculate </a:t>
-                </a:r>
-                <a14:m>
-                  <m:oMath xmlns:m="http://schemas.openxmlformats.org/officeDocument/2006/math">
-                    <m:r>
-                      <a:rPr lang="en-US" altLang="ko-KR" sz="2400" b="0" i="1" smtClean="0">
-                        <a:latin typeface="Cambria Math" panose="02040503050406030204" pitchFamily="18" charset="0"/>
-                      </a:rPr>
-                      <m:t>𝑉𝑎</m:t>
-                    </m:r>
-                    <m:sSub>
-                      <m:sSubPr>
-                        <m:ctrlPr>
-                          <a:rPr lang="en-US" altLang="ko-KR" sz="2400" b="0" i="1" smtClean="0">
-                            <a:latin typeface="Cambria Math" panose="02040503050406030204" pitchFamily="18" charset="0"/>
-                          </a:rPr>
-                        </m:ctrlPr>
-                      </m:sSubPr>
-                      <m:e>
-                        <m:r>
-                          <a:rPr lang="en-US" altLang="ko-KR" sz="2400" b="0" i="1" smtClean="0">
-                            <a:latin typeface="Cambria Math" panose="02040503050406030204" pitchFamily="18" charset="0"/>
-                          </a:rPr>
-                          <m:t>𝑟</m:t>
-                        </m:r>
-                      </m:e>
-                      <m:sub>
-                        <m:sSub>
-                          <m:sSubPr>
-                            <m:ctrlPr>
-                              <a:rPr lang="en-US" altLang="ko-KR" sz="2400" b="0" i="1" smtClean="0">
-                                <a:latin typeface="Cambria Math" panose="02040503050406030204" pitchFamily="18" charset="0"/>
-                              </a:rPr>
-                            </m:ctrlPr>
-                          </m:sSubPr>
-                          <m:e>
-                            <m:r>
-                              <a:rPr lang="en-US" altLang="ko-KR" sz="2400" b="0" i="1" smtClean="0">
-                                <a:latin typeface="Cambria Math" panose="02040503050406030204" pitchFamily="18" charset="0"/>
-                              </a:rPr>
-                              <m:t>𝑋</m:t>
-                            </m:r>
-                          </m:e>
-                          <m:sub>
-                            <m:r>
-                              <a:rPr lang="en-US" altLang="ko-KR" sz="2400" b="0" i="1" smtClean="0">
-                                <a:latin typeface="Cambria Math" panose="02040503050406030204" pitchFamily="18" charset="0"/>
-                              </a:rPr>
-                              <m:t>𝑖</m:t>
-                            </m:r>
-                          </m:sub>
-                        </m:sSub>
-                      </m:sub>
-                    </m:sSub>
-                    <m:r>
-                      <a:rPr lang="en-US" altLang="ko-KR" sz="2400" b="0" i="1" smtClean="0">
-                        <a:latin typeface="Cambria Math" panose="02040503050406030204" pitchFamily="18" charset="0"/>
-                      </a:rPr>
-                      <m:t>(</m:t>
-                    </m:r>
-                    <m:sSub>
-                      <m:sSubPr>
-                        <m:ctrlPr>
-                          <a:rPr lang="en-US" altLang="ko-KR" sz="2400" b="0" i="1" smtClean="0">
-                            <a:latin typeface="Cambria Math" panose="02040503050406030204" pitchFamily="18" charset="0"/>
-                          </a:rPr>
-                        </m:ctrlPr>
-                      </m:sSubPr>
-                      <m:e>
-                        <m:r>
-                          <a:rPr lang="en-US" altLang="ko-KR" sz="2400" b="0" i="1" smtClean="0">
-                            <a:latin typeface="Cambria Math" panose="02040503050406030204" pitchFamily="18" charset="0"/>
-                          </a:rPr>
-                          <m:t>𝐸</m:t>
-                        </m:r>
-                      </m:e>
-                      <m:sub>
-                        <m:sSub>
-                          <m:sSubPr>
-                            <m:ctrlPr>
-                              <a:rPr lang="en-US" altLang="ko-KR" sz="2400" b="0" i="1" smtClean="0">
-                                <a:latin typeface="Cambria Math" panose="02040503050406030204" pitchFamily="18" charset="0"/>
-                              </a:rPr>
-                            </m:ctrlPr>
-                          </m:sSubPr>
-                          <m:e>
-                            <m:r>
-                              <a:rPr lang="en-US" altLang="ko-KR" sz="2400" b="0" i="1" smtClean="0">
-                                <a:latin typeface="Cambria Math" panose="02040503050406030204" pitchFamily="18" charset="0"/>
-                              </a:rPr>
-                              <m:t>𝑋</m:t>
-                            </m:r>
-                          </m:e>
-                          <m:sub>
-                            <m:r>
-                              <a:rPr lang="en-US" altLang="ko-KR" sz="2400" b="0" i="1" smtClean="0">
-                                <a:latin typeface="Cambria Math" panose="02040503050406030204" pitchFamily="18" charset="0"/>
-                              </a:rPr>
-                              <m:t>𝑖</m:t>
-                            </m:r>
-                          </m:sub>
-                        </m:sSub>
-                      </m:sub>
-                    </m:sSub>
-                    <m:r>
-                      <a:rPr lang="en-US" altLang="ko-KR" sz="2400" b="0" i="1" smtClean="0">
-                        <a:latin typeface="Cambria Math" panose="02040503050406030204" pitchFamily="18" charset="0"/>
-                      </a:rPr>
-                      <m:t>(</m:t>
-                    </m:r>
-                    <m:r>
-                      <a:rPr lang="en-US" altLang="ko-KR" sz="2400" b="0" i="1" smtClean="0">
-                        <a:latin typeface="Cambria Math" panose="02040503050406030204" pitchFamily="18" charset="0"/>
-                      </a:rPr>
-                      <m:t>𝑌</m:t>
-                    </m:r>
-                    <m:r>
-                      <a:rPr lang="en-US" altLang="ko-KR" sz="1600">
-                        <a:latin typeface="Cambria Math" panose="02040503050406030204" pitchFamily="18" charset="0"/>
-                      </a:rPr>
-                      <m:t>∣</m:t>
-                    </m:r>
-                    <m:sSub>
-                      <m:sSubPr>
-                        <m:ctrlPr>
-                          <a:rPr lang="en-US" altLang="ko-KR" sz="1600" i="1">
-                            <a:latin typeface="Cambria Math" panose="02040503050406030204" pitchFamily="18" charset="0"/>
-                          </a:rPr>
-                        </m:ctrlPr>
-                      </m:sSubPr>
-                      <m:e>
-                        <m:r>
-                          <m:rPr>
-                            <m:sty m:val="p"/>
-                          </m:rPr>
-                          <a:rPr lang="en-US" altLang="ko-KR" sz="2400">
-                            <a:latin typeface="Cambria Math" panose="02040503050406030204" pitchFamily="18" charset="0"/>
-                          </a:rPr>
-                          <m:t>x</m:t>
-                        </m:r>
-                      </m:e>
-                      <m:sub>
-                        <m:r>
-                          <a:rPr lang="en-US" altLang="ko-KR" sz="2400" i="1">
-                            <a:latin typeface="Cambria Math" panose="02040503050406030204" pitchFamily="18" charset="0"/>
-                          </a:rPr>
-                          <m:t>~</m:t>
-                        </m:r>
-                        <m:r>
-                          <a:rPr lang="en-US" altLang="ko-KR" sz="2400" i="1">
-                            <a:latin typeface="Cambria Math" panose="02040503050406030204" pitchFamily="18" charset="0"/>
-                          </a:rPr>
-                          <m:t>𝑖</m:t>
-                        </m:r>
-                      </m:sub>
-                    </m:sSub>
-                    <m:r>
-                      <a:rPr lang="en-US" altLang="ko-KR" sz="2400" b="0" i="1" smtClean="0">
-                        <a:latin typeface="Cambria Math" panose="02040503050406030204" pitchFamily="18" charset="0"/>
-                      </a:rPr>
-                      <m:t>))</m:t>
-                    </m:r>
-                  </m:oMath>
-                </a14:m>
-                <a:endParaRPr lang="en-US" altLang="ko-KR" dirty="0"/>
-              </a:p>
-              <a:p>
-                <a:pPr lvl="1"/>
-                <a:r>
-                  <a:rPr lang="en-US" altLang="ko-KR" sz="1600" dirty="0"/>
-                  <a:t>Means of </a:t>
-                </a:r>
-                <a:r>
-                  <a:rPr lang="en-US" altLang="ko-KR" sz="1400" dirty="0"/>
-                  <a:t>X</a:t>
-                </a:r>
-                <a:r>
-                  <a:rPr lang="en-US" altLang="ko-KR" sz="1400" baseline="-25000" dirty="0"/>
-                  <a:t>1</a:t>
-                </a:r>
-                <a:endParaRPr lang="ko-KR" altLang="en-US" sz="1400" dirty="0"/>
-              </a:p>
-            </p:txBody>
-          </p:sp>
-        </mc:Choice>
-        <mc:Fallback>
-          <p:sp>
-            <p:nvSpPr>
-              <p:cNvPr id="14" name="내용 개체 틀 2">
-                <a:extLst>
-                  <a:ext uri="{FF2B5EF4-FFF2-40B4-BE49-F238E27FC236}">
-                    <a16:creationId xmlns:a16="http://schemas.microsoft.com/office/drawing/2014/main" id="{32EF95E1-5AF6-3A7F-CD49-388B31D564A6}"/>
-                  </a:ext>
-                </a:extLst>
-              </p:cNvPr>
-              <p:cNvSpPr txBox="1">
-                <a:spLocks noRot="1" noChangeAspect="1" noMove="1" noResize="1" noEditPoints="1" noAdjustHandles="1" noChangeArrowheads="1" noChangeShapeType="1" noTextEdit="1"/>
-              </p:cNvSpPr>
-              <p:nvPr/>
-            </p:nvSpPr>
-            <p:spPr>
-              <a:xfrm>
-                <a:off x="838200" y="1123952"/>
-                <a:ext cx="10515600" cy="5053013"/>
-              </a:xfrm>
-              <a:prstGeom prst="rect">
-                <a:avLst/>
-              </a:prstGeom>
-              <a:blipFill>
-                <a:blip r:embed="rId2"/>
-                <a:stretch>
-                  <a:fillRect l="-812"/>
-                </a:stretch>
-              </a:blipFill>
-            </p:spPr>
-            <p:txBody>
-              <a:bodyPr/>
-              <a:lstStyle/>
-              <a:p>
-                <a:r>
-                  <a:rPr lang="ko-KR" altLang="en-US">
-                    <a:noFill/>
-                  </a:rPr>
-                  <a:t> </a:t>
-                </a:r>
-              </a:p>
-            </p:txBody>
-          </p:sp>
-        </mc:Fallback>
-      </mc:AlternateContent>
     </p:spTree>
     <p:extLst>
       <p:ext uri="{BB962C8B-B14F-4D97-AF65-F5344CB8AC3E}">
-        <p14:creationId xmlns:p14="http://schemas.microsoft.com/office/powerpoint/2010/main" val="1807313436"/>
+        <p14:creationId xmlns:p14="http://schemas.microsoft.com/office/powerpoint/2010/main" val="1568451943"/>
       </p:ext>
     </p:extLst>
   </p:cSld>
@@ -9936,7 +10195,7 @@
           <p:cNvPr id="2" name="제목 1">
             <a:extLst>
               <a:ext uri="{FF2B5EF4-FFF2-40B4-BE49-F238E27FC236}">
-                <a16:creationId xmlns:a16="http://schemas.microsoft.com/office/drawing/2014/main" id="{567659D1-2520-4ED1-6F0A-011909948FD3}"/>
+                <a16:creationId xmlns:a16="http://schemas.microsoft.com/office/drawing/2014/main" id="{6A9C66CF-C8BE-F432-F542-A56D5B6346C4}"/>
               </a:ext>
             </a:extLst>
           </p:cNvPr>
@@ -9954,9 +10213,9 @@
           <a:p>
             <a:r>
               <a:rPr lang="en-US" altLang="ko-KR" dirty="0"/>
-              <a:t>Sensitivity analysis</a:t>
+              <a:t>Boruta </a:t>
             </a:r>
-            <a:endParaRPr lang="en-US" altLang="ko-KR" sz="2400" dirty="0"/>
+            <a:endParaRPr lang="ko-KR" altLang="en-US" dirty="0"/>
           </a:p>
         </p:txBody>
       </p:sp>
@@ -9965,7 +10224,7 @@
           <p:cNvPr id="3" name="내용 개체 틀 2">
             <a:extLst>
               <a:ext uri="{FF2B5EF4-FFF2-40B4-BE49-F238E27FC236}">
-                <a16:creationId xmlns:a16="http://schemas.microsoft.com/office/drawing/2014/main" id="{51C895B8-F505-F3FA-79B3-2532C4BC0D8F}"/>
+                <a16:creationId xmlns:a16="http://schemas.microsoft.com/office/drawing/2014/main" id="{10ABD30E-C65D-DFC8-FC71-5DA235357527}"/>
               </a:ext>
             </a:extLst>
           </p:cNvPr>
@@ -9982,37 +10241,66 @@
           <a:lstStyle/>
           <a:p>
             <a:r>
-              <a:rPr lang="en-US" altLang="ko-KR" sz="1600" dirty="0"/>
-              <a:t>Select</a:t>
-            </a:r>
-            <a:r>
-              <a:rPr lang="ko-KR" altLang="en-US" sz="1600" dirty="0"/>
-              <a:t> </a:t>
-            </a:r>
-            <a:r>
-              <a:rPr lang="en-US" altLang="ko-KR" sz="1600" dirty="0"/>
-              <a:t>Variable</a:t>
+              <a:rPr lang="en-US" altLang="ko-KR" dirty="0"/>
+              <a:t>Boruta Algorithm</a:t>
             </a:r>
           </a:p>
           <a:p>
             <a:pPr lvl="1"/>
             <a:r>
-              <a:rPr lang="en-US" altLang="ko-KR" sz="1200" dirty="0"/>
-              <a:t>Wheel speed, acc(</a:t>
+              <a:rPr lang="en-US" altLang="ko-KR" dirty="0"/>
+              <a:t>Boruta Algorithm is finding the most important features in a dataset</a:t>
             </a:r>
+          </a:p>
+          <a:p>
+            <a:pPr lvl="1"/>
             <a:r>
-              <a:rPr lang="en-US" altLang="ko-KR" sz="1200" dirty="0" err="1"/>
-              <a:t>x,y,z</a:t>
+              <a:rPr lang="en-US" altLang="ko-KR" dirty="0"/>
+              <a:t>Use Random forest method.</a:t>
             </a:r>
+          </a:p>
+          <a:p>
             <a:r>
-              <a:rPr lang="en-US" altLang="ko-KR" sz="1200" dirty="0"/>
-              <a:t>), steer</a:t>
+              <a:rPr lang="en-US" altLang="ko-KR" dirty="0"/>
+              <a:t>Advantage</a:t>
             </a:r>
+          </a:p>
+          <a:p>
+            <a:pPr lvl="1"/>
             <a:r>
-              <a:rPr lang="en-US" altLang="ko-KR" sz="1200"/>
-              <a:t>, torque()</a:t>
+              <a:rPr lang="en-US" altLang="ko-KR" dirty="0"/>
+              <a:t>Robustness</a:t>
             </a:r>
-            <a:endParaRPr lang="en-US" altLang="ko-KR" sz="1200" dirty="0"/>
+          </a:p>
+          <a:p>
+            <a:pPr lvl="1"/>
+            <a:r>
+              <a:rPr lang="en-US" altLang="ko-KR" dirty="0"/>
+              <a:t>Non-parametric</a:t>
+            </a:r>
+          </a:p>
+          <a:p>
+            <a:r>
+              <a:rPr lang="en-US" altLang="ko-KR" dirty="0"/>
+              <a:t>Disadvantages</a:t>
+            </a:r>
+          </a:p>
+          <a:p>
+            <a:pPr lvl="1"/>
+            <a:r>
+              <a:rPr lang="en-US" altLang="ko-KR" dirty="0"/>
+              <a:t>Computational intensity</a:t>
+            </a:r>
+          </a:p>
+          <a:p>
+            <a:pPr lvl="1"/>
+            <a:endParaRPr lang="en-US" altLang="ko-KR" dirty="0"/>
+          </a:p>
+          <a:p>
+            <a:endParaRPr lang="en-US" altLang="ko-KR" dirty="0"/>
+          </a:p>
+          <a:p>
+            <a:endParaRPr lang="en-US" altLang="ko-KR" dirty="0"/>
           </a:p>
         </p:txBody>
       </p:sp>
@@ -10021,7 +10309,7 @@
           <p:cNvPr id="4" name="슬라이드 번호 개체 틀 3">
             <a:extLst>
               <a:ext uri="{FF2B5EF4-FFF2-40B4-BE49-F238E27FC236}">
-                <a16:creationId xmlns:a16="http://schemas.microsoft.com/office/drawing/2014/main" id="{E391A202-BF1F-E031-8117-8907DD29D9DD}"/>
+                <a16:creationId xmlns:a16="http://schemas.microsoft.com/office/drawing/2014/main" id="{6D9DDC3D-3A75-A85D-D0FA-084FC3734EA3}"/>
               </a:ext>
             </a:extLst>
           </p:cNvPr>
@@ -10049,7 +10337,7 @@
     </p:spTree>
     <p:extLst>
       <p:ext uri="{BB962C8B-B14F-4D97-AF65-F5344CB8AC3E}">
-        <p14:creationId xmlns:p14="http://schemas.microsoft.com/office/powerpoint/2010/main" val="1374248464"/>
+        <p14:creationId xmlns:p14="http://schemas.microsoft.com/office/powerpoint/2010/main" val="3751849916"/>
       </p:ext>
     </p:extLst>
   </p:cSld>

--- a/PPT/개인 연구 Parametric.pptx
+++ b/PPT/개인 연구 Parametric.pptx
@@ -240,7 +240,7 @@
           <a:p>
             <a:fld id="{D1DA2BEC-7E6F-47A9-9115-3EED439C6DA5}" type="datetimeFigureOut">
               <a:rPr lang="ko-KR" altLang="en-US" smtClean="0"/>
-              <a:t>2024-01-03</a:t>
+              <a:t>2024-01-06</a:t>
             </a:fld>
             <a:endParaRPr lang="ko-KR" altLang="en-US"/>
           </a:p>
@@ -418,7 +418,7 @@
           <a:p>
             <a:fld id="{BF98C93F-AAD7-4410-AA25-972027873478}" type="datetimeFigureOut">
               <a:rPr lang="ko-KR" altLang="en-US" smtClean="0"/>
-              <a:t>2024-01-03</a:t>
+              <a:t>2024-01-06</a:t>
             </a:fld>
             <a:endParaRPr lang="ko-KR" altLang="en-US"/>
           </a:p>
@@ -3563,15 +3563,21 @@
             <a:pPr lvl="1"/>
             <a:r>
               <a:rPr lang="en-US" altLang="ko-KR" dirty="0"/>
-              <a:t>Data is </a:t>
+              <a:t>Data is gathered by sensor Data and control Data that can achieve</a:t>
             </a:r>
-            <a:r>
-              <a:rPr lang="en-US" altLang="ko-KR" dirty="0" err="1"/>
-              <a:t>gatherd</a:t>
-            </a:r>
+          </a:p>
+          <a:p>
+            <a:pPr lvl="1"/>
             <a:r>
               <a:rPr lang="en-US" altLang="ko-KR" dirty="0"/>
-              <a:t> sensor Data and control Data that can achieve </a:t>
+              <a:t>Sensor Data: Data from IMU, Wheel speed sensor</a:t>
+            </a:r>
+          </a:p>
+          <a:p>
+            <a:pPr lvl="1"/>
+            <a:r>
+              <a:rPr lang="en-US" altLang="ko-KR" dirty="0"/>
+              <a:t>Control Data : steering angle, Motor Torque</a:t>
             </a:r>
           </a:p>
         </p:txBody>
